--- a/CLR_via_CSharp/Chapter 10 - Properties/Properties.pptx
+++ b/CLR_via_CSharp/Chapter 10 - Properties/Properties.pptx
@@ -6,6 +6,9 @@
   </p:sldMasterIdLst>
   <p:sldIdLst>
     <p:sldId id="256" r:id="rId2"/>
+    <p:sldId id="257" r:id="rId3"/>
+    <p:sldId id="258" r:id="rId4"/>
+    <p:sldId id="259" r:id="rId5"/>
   </p:sldIdLst>
   <p:sldSz cx="12192000" cy="6858000"/>
   <p:notesSz cx="6858000" cy="9144000"/>
@@ -3012,7 +3015,12 @@
             <p:ph type="subTitle" idx="1"/>
           </p:nvPr>
         </p:nvSpPr>
-        <p:spPr/>
+        <p:spPr>
+          <a:xfrm>
+            <a:off x="1524000" y="3598062"/>
+            <a:ext cx="9144000" cy="1655762"/>
+          </a:xfrm>
+        </p:spPr>
         <p:txBody>
           <a:bodyPr/>
           <a:lstStyle/>
@@ -3028,6 +3036,338 @@
     <p:extLst>
       <p:ext uri="{BB962C8B-B14F-4D97-AF65-F5344CB8AC3E}">
         <p14:creationId xmlns:p14="http://schemas.microsoft.com/office/powerpoint/2010/main" val="1665090879"/>
+      </p:ext>
+    </p:extLst>
+  </p:cSld>
+  <p:clrMapOvr>
+    <a:masterClrMapping/>
+  </p:clrMapOvr>
+</p:sld>
+</file>
+
+<file path=ppt/slides/slide2.xml><?xml version="1.0" encoding="utf-8"?>
+<p:sld xmlns:a="http://schemas.openxmlformats.org/drawingml/2006/main" xmlns:r="http://schemas.openxmlformats.org/officeDocument/2006/relationships" xmlns:p="http://schemas.openxmlformats.org/presentationml/2006/main">
+  <p:cSld>
+    <p:spTree>
+      <p:nvGrpSpPr>
+        <p:cNvPr id="1" name=""/>
+        <p:cNvGrpSpPr/>
+        <p:nvPr/>
+      </p:nvGrpSpPr>
+      <p:grpSpPr>
+        <a:xfrm>
+          <a:off x="0" y="0"/>
+          <a:ext cx="0" cy="0"/>
+          <a:chOff x="0" y="0"/>
+          <a:chExt cx="0" cy="0"/>
+        </a:xfrm>
+      </p:grpSpPr>
+      <p:sp>
+        <p:nvSpPr>
+          <p:cNvPr id="2" name="Title 1">
+            <a:extLst>
+              <a:ext uri="{FF2B5EF4-FFF2-40B4-BE49-F238E27FC236}">
+                <a16:creationId xmlns:a16="http://schemas.microsoft.com/office/drawing/2014/main" id="{8B9F3E88-0939-09D0-E2CB-81626BE2EF5C}"/>
+              </a:ext>
+            </a:extLst>
+          </p:cNvPr>
+          <p:cNvSpPr>
+            <a:spLocks noGrp="1"/>
+          </p:cNvSpPr>
+          <p:nvPr>
+            <p:ph type="title"/>
+          </p:nvPr>
+        </p:nvSpPr>
+        <p:spPr/>
+        <p:txBody>
+          <a:bodyPr/>
+          <a:lstStyle/>
+          <a:p>
+            <a:r>
+              <a:rPr lang="en-US" dirty="0"/>
+              <a:t>Questions from last week</a:t>
+            </a:r>
+          </a:p>
+        </p:txBody>
+      </p:sp>
+      <p:sp>
+        <p:nvSpPr>
+          <p:cNvPr id="3" name="Content Placeholder 2">
+            <a:extLst>
+              <a:ext uri="{FF2B5EF4-FFF2-40B4-BE49-F238E27FC236}">
+                <a16:creationId xmlns:a16="http://schemas.microsoft.com/office/drawing/2014/main" id="{7D25F329-E890-827E-F6CE-46C3F2D29CD6}"/>
+              </a:ext>
+            </a:extLst>
+          </p:cNvPr>
+          <p:cNvSpPr>
+            <a:spLocks noGrp="1"/>
+          </p:cNvSpPr>
+          <p:nvPr>
+            <p:ph idx="1"/>
+          </p:nvPr>
+        </p:nvSpPr>
+        <p:spPr/>
+        <p:txBody>
+          <a:bodyPr/>
+          <a:lstStyle/>
+          <a:p>
+            <a:r>
+              <a:rPr lang="en-US" dirty="0"/>
+              <a:t>None of note</a:t>
+            </a:r>
+          </a:p>
+        </p:txBody>
+      </p:sp>
+    </p:spTree>
+    <p:extLst>
+      <p:ext uri="{BB962C8B-B14F-4D97-AF65-F5344CB8AC3E}">
+        <p14:creationId xmlns:p14="http://schemas.microsoft.com/office/powerpoint/2010/main" val="2258700178"/>
+      </p:ext>
+    </p:extLst>
+  </p:cSld>
+  <p:clrMapOvr>
+    <a:masterClrMapping/>
+  </p:clrMapOvr>
+</p:sld>
+</file>
+
+<file path=ppt/slides/slide3.xml><?xml version="1.0" encoding="utf-8"?>
+<p:sld xmlns:a="http://schemas.openxmlformats.org/drawingml/2006/main" xmlns:r="http://schemas.openxmlformats.org/officeDocument/2006/relationships" xmlns:p="http://schemas.openxmlformats.org/presentationml/2006/main">
+  <p:cSld>
+    <p:spTree>
+      <p:nvGrpSpPr>
+        <p:cNvPr id="1" name=""/>
+        <p:cNvGrpSpPr/>
+        <p:nvPr/>
+      </p:nvGrpSpPr>
+      <p:grpSpPr>
+        <a:xfrm>
+          <a:off x="0" y="0"/>
+          <a:ext cx="0" cy="0"/>
+          <a:chOff x="0" y="0"/>
+          <a:chExt cx="0" cy="0"/>
+        </a:xfrm>
+      </p:grpSpPr>
+      <p:sp>
+        <p:nvSpPr>
+          <p:cNvPr id="2" name="Title 1">
+            <a:extLst>
+              <a:ext uri="{FF2B5EF4-FFF2-40B4-BE49-F238E27FC236}">
+                <a16:creationId xmlns:a16="http://schemas.microsoft.com/office/drawing/2014/main" id="{B712F8C1-4C20-2DC3-C9A5-8845C458E3B4}"/>
+              </a:ext>
+            </a:extLst>
+          </p:cNvPr>
+          <p:cNvSpPr>
+            <a:spLocks noGrp="1"/>
+          </p:cNvSpPr>
+          <p:nvPr>
+            <p:ph type="title"/>
+          </p:nvPr>
+        </p:nvSpPr>
+        <p:spPr/>
+        <p:txBody>
+          <a:bodyPr/>
+          <a:lstStyle/>
+          <a:p>
+            <a:r>
+              <a:rPr lang="en-US" dirty="0" err="1"/>
+              <a:t>Parameterless</a:t>
+            </a:r>
+            <a:r>
+              <a:rPr lang="en-US" dirty="0"/>
+              <a:t> Properties</a:t>
+            </a:r>
+          </a:p>
+        </p:txBody>
+      </p:sp>
+      <p:sp>
+        <p:nvSpPr>
+          <p:cNvPr id="3" name="Content Placeholder 2">
+            <a:extLst>
+              <a:ext uri="{FF2B5EF4-FFF2-40B4-BE49-F238E27FC236}">
+                <a16:creationId xmlns:a16="http://schemas.microsoft.com/office/drawing/2014/main" id="{EA5B2D6B-CB3A-D5BB-6E57-E2CF7D15A8A9}"/>
+              </a:ext>
+            </a:extLst>
+          </p:cNvPr>
+          <p:cNvSpPr>
+            <a:spLocks noGrp="1"/>
+          </p:cNvSpPr>
+          <p:nvPr>
+            <p:ph idx="1"/>
+          </p:nvPr>
+        </p:nvSpPr>
+        <p:spPr/>
+        <p:txBody>
+          <a:bodyPr/>
+          <a:lstStyle/>
+          <a:p>
+            <a:r>
+              <a:rPr lang="en-US" dirty="0"/>
+              <a:t>Problem 1</a:t>
+            </a:r>
+          </a:p>
+          <a:p>
+            <a:pPr lvl="1"/>
+            <a:r>
+              <a:rPr lang="en-US" dirty="0"/>
+              <a:t>Not encapsulating</a:t>
+            </a:r>
+          </a:p>
+          <a:p>
+            <a:pPr lvl="1"/>
+            <a:r>
+              <a:rPr lang="en-US" dirty="0"/>
+              <a:t>Allow unconstrained behavior</a:t>
+            </a:r>
+          </a:p>
+          <a:p>
+            <a:r>
+              <a:rPr lang="en-US" dirty="0"/>
+              <a:t>Problem 2</a:t>
+            </a:r>
+          </a:p>
+          <a:p>
+            <a:pPr lvl="1"/>
+            <a:r>
+              <a:rPr lang="en-US" dirty="0"/>
+              <a:t>Becomes kind of unwieldy</a:t>
+            </a:r>
+          </a:p>
+          <a:p>
+            <a:pPr lvl="1"/>
+            <a:r>
+              <a:rPr lang="en-US" dirty="0"/>
+              <a:t>‘boilerplate’</a:t>
+            </a:r>
+          </a:p>
+          <a:p>
+            <a:pPr marL="0" indent="0">
+              <a:buNone/>
+            </a:pPr>
+            <a:endParaRPr lang="en-US" dirty="0"/>
+          </a:p>
+          <a:p>
+            <a:pPr marL="0" indent="0">
+              <a:buNone/>
+            </a:pPr>
+            <a:r>
+              <a:rPr lang="en-US" dirty="0"/>
+              <a:t>How do other languages do the exact same thing</a:t>
+            </a:r>
+          </a:p>
+          <a:p>
+            <a:pPr marL="0" indent="0">
+              <a:buNone/>
+            </a:pPr>
+            <a:r>
+              <a:rPr lang="en-US" dirty="0"/>
+              <a:t>- If we look at getters and setter in Java, it’s the ‘same thing’</a:t>
+            </a:r>
+          </a:p>
+        </p:txBody>
+      </p:sp>
+    </p:spTree>
+    <p:extLst>
+      <p:ext uri="{BB962C8B-B14F-4D97-AF65-F5344CB8AC3E}">
+        <p14:creationId xmlns:p14="http://schemas.microsoft.com/office/powerpoint/2010/main" val="337025689"/>
+      </p:ext>
+    </p:extLst>
+  </p:cSld>
+  <p:clrMapOvr>
+    <a:masterClrMapping/>
+  </p:clrMapOvr>
+</p:sld>
+</file>
+
+<file path=ppt/slides/slide4.xml><?xml version="1.0" encoding="utf-8"?>
+<p:sld xmlns:a="http://schemas.openxmlformats.org/drawingml/2006/main" xmlns:r="http://schemas.openxmlformats.org/officeDocument/2006/relationships" xmlns:p="http://schemas.openxmlformats.org/presentationml/2006/main">
+  <p:cSld>
+    <p:spTree>
+      <p:nvGrpSpPr>
+        <p:cNvPr id="1" name=""/>
+        <p:cNvGrpSpPr/>
+        <p:nvPr/>
+      </p:nvGrpSpPr>
+      <p:grpSpPr>
+        <a:xfrm>
+          <a:off x="0" y="0"/>
+          <a:ext cx="0" cy="0"/>
+          <a:chOff x="0" y="0"/>
+          <a:chExt cx="0" cy="0"/>
+        </a:xfrm>
+      </p:grpSpPr>
+      <p:sp>
+        <p:nvSpPr>
+          <p:cNvPr id="2" name="Title 1">
+            <a:extLst>
+              <a:ext uri="{FF2B5EF4-FFF2-40B4-BE49-F238E27FC236}">
+                <a16:creationId xmlns:a16="http://schemas.microsoft.com/office/drawing/2014/main" id="{498144B0-3F1F-C96B-CC32-3A92A1455AC4}"/>
+              </a:ext>
+            </a:extLst>
+          </p:cNvPr>
+          <p:cNvSpPr>
+            <a:spLocks noGrp="1"/>
+          </p:cNvSpPr>
+          <p:nvPr>
+            <p:ph type="title"/>
+          </p:nvPr>
+        </p:nvSpPr>
+        <p:spPr/>
+        <p:txBody>
+          <a:bodyPr/>
+          <a:lstStyle/>
+          <a:p>
+            <a:r>
+              <a:rPr lang="en-US" dirty="0"/>
+              <a:t>Lombok</a:t>
+            </a:r>
+          </a:p>
+        </p:txBody>
+      </p:sp>
+      <p:sp>
+        <p:nvSpPr>
+          <p:cNvPr id="3" name="Content Placeholder 2">
+            <a:extLst>
+              <a:ext uri="{FF2B5EF4-FFF2-40B4-BE49-F238E27FC236}">
+                <a16:creationId xmlns:a16="http://schemas.microsoft.com/office/drawing/2014/main" id="{FBF1A100-B960-2131-0B38-A58D8B87768B}"/>
+              </a:ext>
+            </a:extLst>
+          </p:cNvPr>
+          <p:cNvSpPr>
+            <a:spLocks noGrp="1"/>
+          </p:cNvSpPr>
+          <p:nvPr>
+            <p:ph idx="1"/>
+          </p:nvPr>
+        </p:nvSpPr>
+        <p:spPr/>
+        <p:txBody>
+          <a:bodyPr/>
+          <a:lstStyle/>
+          <a:p>
+            <a:r>
+              <a:rPr lang="en-US" dirty="0"/>
+              <a:t>Lombok is a type of chili</a:t>
+            </a:r>
+          </a:p>
+          <a:p>
+            <a:r>
+              <a:rPr lang="en-US" dirty="0"/>
+              <a:t>Basically, in Java, we’d have a lot of boiler plate for the same thing</a:t>
+            </a:r>
+          </a:p>
+          <a:p>
+            <a:r>
+              <a:rPr lang="en-US" dirty="0"/>
+              <a:t>Good and bad part about this?</a:t>
+            </a:r>
+          </a:p>
+        </p:txBody>
+      </p:sp>
+    </p:spTree>
+    <p:extLst>
+      <p:ext uri="{BB962C8B-B14F-4D97-AF65-F5344CB8AC3E}">
+        <p14:creationId xmlns:p14="http://schemas.microsoft.com/office/powerpoint/2010/main" val="2830451304"/>
       </p:ext>
     </p:extLst>
   </p:cSld>

--- a/CLR_via_CSharp/Chapter 10 - Properties/Properties.pptx
+++ b/CLR_via_CSharp/Chapter 10 - Properties/Properties.pptx
@@ -8,7 +8,9 @@
     <p:sldId id="256" r:id="rId2"/>
     <p:sldId id="257" r:id="rId3"/>
     <p:sldId id="258" r:id="rId4"/>
-    <p:sldId id="259" r:id="rId5"/>
+    <p:sldId id="261" r:id="rId5"/>
+    <p:sldId id="259" r:id="rId6"/>
+    <p:sldId id="260" r:id="rId7"/>
   </p:sldIdLst>
   <p:sldSz cx="12192000" cy="6858000"/>
   <p:notesSz cx="6858000" cy="9144000"/>
@@ -3296,6 +3298,168 @@
           <a:chExt cx="0" cy="0"/>
         </a:xfrm>
       </p:grpSpPr>
+      <p:pic>
+        <p:nvPicPr>
+          <p:cNvPr id="7" name="Picture 6">
+            <a:extLst>
+              <a:ext uri="{FF2B5EF4-FFF2-40B4-BE49-F238E27FC236}">
+                <a16:creationId xmlns:a16="http://schemas.microsoft.com/office/drawing/2014/main" id="{40054C6C-B3B7-DF22-72B4-831A8FE251ED}"/>
+              </a:ext>
+            </a:extLst>
+          </p:cNvPr>
+          <p:cNvPicPr>
+            <a:picLocks noChangeAspect="1"/>
+          </p:cNvPicPr>
+          <p:nvPr/>
+        </p:nvPicPr>
+        <p:blipFill>
+          <a:blip r:embed="rId2"/>
+          <a:stretch>
+            <a:fillRect/>
+          </a:stretch>
+        </p:blipFill>
+        <p:spPr>
+          <a:xfrm>
+            <a:off x="788135" y="2022484"/>
+            <a:ext cx="5074783" cy="2553056"/>
+          </a:xfrm>
+          <a:prstGeom prst="rect">
+            <a:avLst/>
+          </a:prstGeom>
+        </p:spPr>
+      </p:pic>
+      <p:pic>
+        <p:nvPicPr>
+          <p:cNvPr id="9" name="Picture 8">
+            <a:extLst>
+              <a:ext uri="{FF2B5EF4-FFF2-40B4-BE49-F238E27FC236}">
+                <a16:creationId xmlns:a16="http://schemas.microsoft.com/office/drawing/2014/main" id="{ABBCE78E-A399-EFF1-99E3-9FE93BC9357C}"/>
+              </a:ext>
+            </a:extLst>
+          </p:cNvPr>
+          <p:cNvPicPr>
+            <a:picLocks noChangeAspect="1"/>
+          </p:cNvPicPr>
+          <p:nvPr/>
+        </p:nvPicPr>
+        <p:blipFill>
+          <a:blip r:embed="rId3"/>
+          <a:stretch>
+            <a:fillRect/>
+          </a:stretch>
+        </p:blipFill>
+        <p:spPr>
+          <a:xfrm>
+            <a:off x="6239998" y="1864658"/>
+            <a:ext cx="4959321" cy="2677884"/>
+          </a:xfrm>
+          <a:prstGeom prst="rect">
+            <a:avLst/>
+          </a:prstGeom>
+        </p:spPr>
+      </p:pic>
+      <p:pic>
+        <p:nvPicPr>
+          <p:cNvPr id="11" name="Picture 10">
+            <a:extLst>
+              <a:ext uri="{FF2B5EF4-FFF2-40B4-BE49-F238E27FC236}">
+                <a16:creationId xmlns:a16="http://schemas.microsoft.com/office/drawing/2014/main" id="{85431B6D-2AA2-779B-E284-D556C841FC70}"/>
+              </a:ext>
+            </a:extLst>
+          </p:cNvPr>
+          <p:cNvPicPr>
+            <a:picLocks noChangeAspect="1"/>
+          </p:cNvPicPr>
+          <p:nvPr/>
+        </p:nvPicPr>
+        <p:blipFill>
+          <a:blip r:embed="rId4"/>
+          <a:stretch>
+            <a:fillRect/>
+          </a:stretch>
+        </p:blipFill>
+        <p:spPr>
+          <a:xfrm>
+            <a:off x="2608261" y="5073991"/>
+            <a:ext cx="6706536" cy="457264"/>
+          </a:xfrm>
+          <a:prstGeom prst="rect">
+            <a:avLst/>
+          </a:prstGeom>
+        </p:spPr>
+      </p:pic>
+      <p:sp>
+        <p:nvSpPr>
+          <p:cNvPr id="12" name="TextBox 11">
+            <a:extLst>
+              <a:ext uri="{FF2B5EF4-FFF2-40B4-BE49-F238E27FC236}">
+                <a16:creationId xmlns:a16="http://schemas.microsoft.com/office/drawing/2014/main" id="{FFEEFF05-2505-E4FE-B4B8-C874B4973C35}"/>
+              </a:ext>
+            </a:extLst>
+          </p:cNvPr>
+          <p:cNvSpPr txBox="1"/>
+          <p:nvPr/>
+        </p:nvSpPr>
+        <p:spPr>
+          <a:xfrm>
+            <a:off x="1528482" y="493059"/>
+            <a:ext cx="3348318" cy="1200329"/>
+          </a:xfrm>
+          <a:prstGeom prst="rect">
+            <a:avLst/>
+          </a:prstGeom>
+          <a:noFill/>
+        </p:spPr>
+        <p:txBody>
+          <a:bodyPr wrap="square" rtlCol="0">
+            <a:spAutoFit/>
+          </a:bodyPr>
+          <a:lstStyle/>
+          <a:p>
+            <a:r>
+              <a:rPr lang="en-US" dirty="0"/>
+              <a:t>A property will get:</a:t>
+            </a:r>
+            <a:br>
+              <a:rPr lang="en-US" dirty="0"/>
+            </a:br>
+            <a:r>
+              <a:rPr lang="en-US" dirty="0"/>
+              <a:t>getter and/or setter (see purple) and red triangle property definition</a:t>
+            </a:r>
+          </a:p>
+        </p:txBody>
+      </p:sp>
+    </p:spTree>
+    <p:extLst>
+      <p:ext uri="{BB962C8B-B14F-4D97-AF65-F5344CB8AC3E}">
+        <p14:creationId xmlns:p14="http://schemas.microsoft.com/office/powerpoint/2010/main" val="1122969378"/>
+      </p:ext>
+    </p:extLst>
+  </p:cSld>
+  <p:clrMapOvr>
+    <a:masterClrMapping/>
+  </p:clrMapOvr>
+</p:sld>
+</file>
+
+<file path=ppt/slides/slide5.xml><?xml version="1.0" encoding="utf-8"?>
+<p:sld xmlns:a="http://schemas.openxmlformats.org/drawingml/2006/main" xmlns:r="http://schemas.openxmlformats.org/officeDocument/2006/relationships" xmlns:p="http://schemas.openxmlformats.org/presentationml/2006/main">
+  <p:cSld>
+    <p:spTree>
+      <p:nvGrpSpPr>
+        <p:cNvPr id="1" name=""/>
+        <p:cNvGrpSpPr/>
+        <p:nvPr/>
+      </p:nvGrpSpPr>
+      <p:grpSpPr>
+        <a:xfrm>
+          <a:off x="0" y="0"/>
+          <a:ext cx="0" cy="0"/>
+          <a:chOff x="0" y="0"/>
+          <a:chExt cx="0" cy="0"/>
+        </a:xfrm>
+      </p:grpSpPr>
       <p:sp>
         <p:nvSpPr>
           <p:cNvPr id="2" name="Title 1">
@@ -3362,12 +3526,111 @@
               <a:t>Good and bad part about this?</a:t>
             </a:r>
           </a:p>
+          <a:p>
+            <a:pPr lvl="1"/>
+            <a:r>
+              <a:rPr lang="en-US" dirty="0"/>
+              <a:t>Think about order</a:t>
+            </a:r>
+          </a:p>
         </p:txBody>
       </p:sp>
     </p:spTree>
     <p:extLst>
       <p:ext uri="{BB962C8B-B14F-4D97-AF65-F5344CB8AC3E}">
         <p14:creationId xmlns:p14="http://schemas.microsoft.com/office/powerpoint/2010/main" val="2830451304"/>
+      </p:ext>
+    </p:extLst>
+  </p:cSld>
+  <p:clrMapOvr>
+    <a:masterClrMapping/>
+  </p:clrMapOvr>
+</p:sld>
+</file>
+
+<file path=ppt/slides/slide6.xml><?xml version="1.0" encoding="utf-8"?>
+<p:sld xmlns:a="http://schemas.openxmlformats.org/drawingml/2006/main" xmlns:r="http://schemas.openxmlformats.org/officeDocument/2006/relationships" xmlns:p="http://schemas.openxmlformats.org/presentationml/2006/main">
+  <p:cSld>
+    <p:spTree>
+      <p:nvGrpSpPr>
+        <p:cNvPr id="1" name=""/>
+        <p:cNvGrpSpPr/>
+        <p:nvPr/>
+      </p:nvGrpSpPr>
+      <p:grpSpPr>
+        <a:xfrm>
+          <a:off x="0" y="0"/>
+          <a:ext cx="0" cy="0"/>
+          <a:chOff x="0" y="0"/>
+          <a:chExt cx="0" cy="0"/>
+        </a:xfrm>
+      </p:grpSpPr>
+      <p:sp>
+        <p:nvSpPr>
+          <p:cNvPr id="2" name="Title 1">
+            <a:extLst>
+              <a:ext uri="{FF2B5EF4-FFF2-40B4-BE49-F238E27FC236}">
+                <a16:creationId xmlns:a16="http://schemas.microsoft.com/office/drawing/2014/main" id="{EDFBC102-763E-E0C8-5F55-6DC4098D1005}"/>
+              </a:ext>
+            </a:extLst>
+          </p:cNvPr>
+          <p:cNvSpPr>
+            <a:spLocks noGrp="1"/>
+          </p:cNvSpPr>
+          <p:nvPr>
+            <p:ph type="title"/>
+          </p:nvPr>
+        </p:nvSpPr>
+        <p:spPr/>
+        <p:txBody>
+          <a:bodyPr/>
+          <a:lstStyle/>
+          <a:p>
+            <a:r>
+              <a:rPr lang="en-US" dirty="0"/>
+              <a:t>Properties of properties</a:t>
+            </a:r>
+          </a:p>
+        </p:txBody>
+      </p:sp>
+      <p:sp>
+        <p:nvSpPr>
+          <p:cNvPr id="3" name="Content Placeholder 2">
+            <a:extLst>
+              <a:ext uri="{FF2B5EF4-FFF2-40B4-BE49-F238E27FC236}">
+                <a16:creationId xmlns:a16="http://schemas.microsoft.com/office/drawing/2014/main" id="{0152972D-12F0-76F5-E3AF-735F22B654EB}"/>
+              </a:ext>
+            </a:extLst>
+          </p:cNvPr>
+          <p:cNvSpPr>
+            <a:spLocks noGrp="1"/>
+          </p:cNvSpPr>
+          <p:nvPr>
+            <p:ph idx="1"/>
+          </p:nvPr>
+        </p:nvSpPr>
+        <p:spPr/>
+        <p:txBody>
+          <a:bodyPr/>
+          <a:lstStyle/>
+          <a:p>
+            <a:r>
+              <a:rPr lang="en-US" dirty="0"/>
+              <a:t>Can’t overload</a:t>
+            </a:r>
+          </a:p>
+          <a:p>
+            <a:r>
+              <a:rPr lang="en-US" dirty="0"/>
+              <a:t>‘smart fields with additional logic behind them</a:t>
+            </a:r>
+          </a:p>
+        </p:txBody>
+      </p:sp>
+    </p:spTree>
+    <p:extLst>
+      <p:ext uri="{BB962C8B-B14F-4D97-AF65-F5344CB8AC3E}">
+        <p14:creationId xmlns:p14="http://schemas.microsoft.com/office/powerpoint/2010/main" val="2329942572"/>
       </p:ext>
     </p:extLst>
   </p:cSld>

--- a/CLR_via_CSharp/Chapter 10 - Properties/Properties.pptx
+++ b/CLR_via_CSharp/Chapter 10 - Properties/Properties.pptx
@@ -11,6 +11,7 @@
     <p:sldId id="261" r:id="rId5"/>
     <p:sldId id="259" r:id="rId6"/>
     <p:sldId id="260" r:id="rId7"/>
+    <p:sldId id="262" r:id="rId8"/>
   </p:sldIdLst>
   <p:sldSz cx="12192000" cy="6858000"/>
   <p:notesSz cx="6858000" cy="9144000"/>
@@ -3622,8 +3623,52 @@
           <a:p>
             <a:r>
               <a:rPr lang="en-US" dirty="0"/>
-              <a:t>‘smart fields with additional logic behind them</a:t>
-            </a:r>
+              <a:t>‘smart fields’ with additional logic behind them</a:t>
+            </a:r>
+          </a:p>
+          <a:p>
+            <a:r>
+              <a:rPr lang="en-US" dirty="0"/>
+              <a:t>AIP (</a:t>
+            </a:r>
+            <a:r>
+              <a:rPr lang="en-US" dirty="0" err="1"/>
+              <a:t>autoimplemented</a:t>
+            </a:r>
+            <a:r>
+              <a:rPr lang="en-US" dirty="0"/>
+              <a:t>)</a:t>
+            </a:r>
+          </a:p>
+          <a:p>
+            <a:pPr lvl="1"/>
+            <a:r>
+              <a:rPr lang="en-US" dirty="0"/>
+              <a:t>Means that you can’t debug them</a:t>
+            </a:r>
+          </a:p>
+          <a:p>
+            <a:r>
+              <a:rPr lang="en-US" dirty="0"/>
+              <a:t>‘methods that look like fields’</a:t>
+            </a:r>
+          </a:p>
+          <a:p>
+            <a:pPr lvl="1"/>
+            <a:r>
+              <a:rPr lang="en-US" dirty="0"/>
+              <a:t>Jeffrey says ‘why’</a:t>
+            </a:r>
+          </a:p>
+          <a:p>
+            <a:pPr lvl="1"/>
+            <a:r>
+              <a:rPr lang="en-US" dirty="0"/>
+              <a:t>Just write them out</a:t>
+            </a:r>
+          </a:p>
+          <a:p>
+            <a:endParaRPr lang="en-US" dirty="0"/>
           </a:p>
         </p:txBody>
       </p:sp>
@@ -3631,6 +3676,142 @@
     <p:extLst>
       <p:ext uri="{BB962C8B-B14F-4D97-AF65-F5344CB8AC3E}">
         <p14:creationId xmlns:p14="http://schemas.microsoft.com/office/powerpoint/2010/main" val="2329942572"/>
+      </p:ext>
+    </p:extLst>
+  </p:cSld>
+  <p:clrMapOvr>
+    <a:masterClrMapping/>
+  </p:clrMapOvr>
+</p:sld>
+</file>
+
+<file path=ppt/slides/slide7.xml><?xml version="1.0" encoding="utf-8"?>
+<p:sld xmlns:a="http://schemas.openxmlformats.org/drawingml/2006/main" xmlns:r="http://schemas.openxmlformats.org/officeDocument/2006/relationships" xmlns:p="http://schemas.openxmlformats.org/presentationml/2006/main">
+  <p:cSld>
+    <p:spTree>
+      <p:nvGrpSpPr>
+        <p:cNvPr id="1" name=""/>
+        <p:cNvGrpSpPr/>
+        <p:nvPr/>
+      </p:nvGrpSpPr>
+      <p:grpSpPr>
+        <a:xfrm>
+          <a:off x="0" y="0"/>
+          <a:ext cx="0" cy="0"/>
+          <a:chOff x="0" y="0"/>
+          <a:chExt cx="0" cy="0"/>
+        </a:xfrm>
+      </p:grpSpPr>
+      <p:sp>
+        <p:nvSpPr>
+          <p:cNvPr id="2" name="Title 1">
+            <a:extLst>
+              <a:ext uri="{FF2B5EF4-FFF2-40B4-BE49-F238E27FC236}">
+                <a16:creationId xmlns:a16="http://schemas.microsoft.com/office/drawing/2014/main" id="{245B624B-279B-47D2-ECBF-E1AB1E38F5DE}"/>
+              </a:ext>
+            </a:extLst>
+          </p:cNvPr>
+          <p:cNvSpPr>
+            <a:spLocks noGrp="1"/>
+          </p:cNvSpPr>
+          <p:nvPr>
+            <p:ph type="title"/>
+          </p:nvPr>
+        </p:nvSpPr>
+        <p:spPr/>
+        <p:txBody>
+          <a:bodyPr/>
+          <a:lstStyle/>
+          <a:p>
+            <a:r>
+              <a:rPr lang="en-US" dirty="0"/>
+              <a:t>Actual reasons</a:t>
+            </a:r>
+          </a:p>
+        </p:txBody>
+      </p:sp>
+      <p:sp>
+        <p:nvSpPr>
+          <p:cNvPr id="3" name="Content Placeholder 2">
+            <a:extLst>
+              <a:ext uri="{FF2B5EF4-FFF2-40B4-BE49-F238E27FC236}">
+                <a16:creationId xmlns:a16="http://schemas.microsoft.com/office/drawing/2014/main" id="{69AACBCC-9D7A-5D73-930C-40DFA094B01A}"/>
+              </a:ext>
+            </a:extLst>
+          </p:cNvPr>
+          <p:cNvSpPr>
+            <a:spLocks noGrp="1"/>
+          </p:cNvSpPr>
+          <p:nvPr>
+            <p:ph idx="1"/>
+          </p:nvPr>
+        </p:nvSpPr>
+        <p:spPr>
+          <a:xfrm>
+            <a:off x="838200" y="1841527"/>
+            <a:ext cx="10515600" cy="4351338"/>
+          </a:xfrm>
+        </p:spPr>
+        <p:txBody>
+          <a:bodyPr>
+            <a:normAutofit/>
+          </a:bodyPr>
+          <a:lstStyle/>
+          <a:p>
+            <a:r>
+              <a:rPr lang="en-US" dirty="0"/>
+              <a:t>Properties are </a:t>
+            </a:r>
+            <a:r>
+              <a:rPr lang="en-US" dirty="0" err="1"/>
+              <a:t>readonly</a:t>
+            </a:r>
+            <a:r>
+              <a:rPr lang="en-US" dirty="0"/>
+              <a:t> or write only,</a:t>
+            </a:r>
+          </a:p>
+          <a:p>
+            <a:r>
+              <a:rPr lang="en-US" dirty="0"/>
+              <a:t>Property method may have an exception, field access won’t</a:t>
+            </a:r>
+          </a:p>
+          <a:p>
+            <a:r>
+              <a:rPr lang="en-US" dirty="0"/>
+              <a:t>Properties can’t be passed as an out or ref</a:t>
+            </a:r>
+          </a:p>
+          <a:p>
+            <a:r>
+              <a:rPr lang="en-US" dirty="0"/>
+              <a:t>Properties can take time</a:t>
+            </a:r>
+          </a:p>
+          <a:p>
+            <a:r>
+              <a:rPr lang="en-US" dirty="0"/>
+              <a:t>Field access is immediate</a:t>
+            </a:r>
+          </a:p>
+          <a:p>
+            <a:r>
+              <a:rPr lang="en-US" dirty="0"/>
+              <a:t>Properties called multiple times might return a different value; fields </a:t>
+            </a:r>
+            <a:r>
+              <a:rPr lang="en-US"/>
+              <a:t>are consistent</a:t>
+            </a:r>
+            <a:endParaRPr lang="en-US" dirty="0"/>
+          </a:p>
+        </p:txBody>
+      </p:sp>
+    </p:spTree>
+    <p:extLst>
+      <p:ext uri="{BB962C8B-B14F-4D97-AF65-F5344CB8AC3E}">
+        <p14:creationId xmlns:p14="http://schemas.microsoft.com/office/powerpoint/2010/main" val="2980249159"/>
       </p:ext>
     </p:extLst>
   </p:cSld>

--- a/CLR_via_CSharp/Chapter 10 - Properties/Properties.pptx
+++ b/CLR_via_CSharp/Chapter 10 - Properties/Properties.pptx
@@ -12,6 +12,8 @@
     <p:sldId id="259" r:id="rId6"/>
     <p:sldId id="260" r:id="rId7"/>
     <p:sldId id="262" r:id="rId8"/>
+    <p:sldId id="263" r:id="rId9"/>
+    <p:sldId id="264" r:id="rId10"/>
   </p:sldIdLst>
   <p:sldSz cx="12192000" cy="6858000"/>
   <p:notesSz cx="6858000" cy="9144000"/>
@@ -3798,13 +3800,8 @@
           <a:p>
             <a:r>
               <a:rPr lang="en-US" dirty="0"/>
-              <a:t>Properties called multiple times might return a different value; fields </a:t>
-            </a:r>
-            <a:r>
-              <a:rPr lang="en-US"/>
-              <a:t>are consistent</a:t>
-            </a:r>
-            <a:endParaRPr lang="en-US" dirty="0"/>
+              <a:t>Properties called multiple times might return a different value; fields are consistent</a:t>
+            </a:r>
           </a:p>
         </p:txBody>
       </p:sp>
@@ -3812,6 +3809,210 @@
     <p:extLst>
       <p:ext uri="{BB962C8B-B14F-4D97-AF65-F5344CB8AC3E}">
         <p14:creationId xmlns:p14="http://schemas.microsoft.com/office/powerpoint/2010/main" val="2980249159"/>
+      </p:ext>
+    </p:extLst>
+  </p:cSld>
+  <p:clrMapOvr>
+    <a:masterClrMapping/>
+  </p:clrMapOvr>
+</p:sld>
+</file>
+
+<file path=ppt/slides/slide8.xml><?xml version="1.0" encoding="utf-8"?>
+<p:sld xmlns:a="http://schemas.openxmlformats.org/drawingml/2006/main" xmlns:r="http://schemas.openxmlformats.org/officeDocument/2006/relationships" xmlns:p="http://schemas.openxmlformats.org/presentationml/2006/main">
+  <p:cSld>
+    <p:spTree>
+      <p:nvGrpSpPr>
+        <p:cNvPr id="1" name=""/>
+        <p:cNvGrpSpPr/>
+        <p:nvPr/>
+      </p:nvGrpSpPr>
+      <p:grpSpPr>
+        <a:xfrm>
+          <a:off x="0" y="0"/>
+          <a:ext cx="0" cy="0"/>
+          <a:chOff x="0" y="0"/>
+          <a:chExt cx="0" cy="0"/>
+        </a:xfrm>
+      </p:grpSpPr>
+      <p:sp>
+        <p:nvSpPr>
+          <p:cNvPr id="2" name="Title 1">
+            <a:extLst>
+              <a:ext uri="{FF2B5EF4-FFF2-40B4-BE49-F238E27FC236}">
+                <a16:creationId xmlns:a16="http://schemas.microsoft.com/office/drawing/2014/main" id="{9D230EFE-6F6B-20F9-4FA2-EC30880A9618}"/>
+              </a:ext>
+            </a:extLst>
+          </p:cNvPr>
+          <p:cNvSpPr>
+            <a:spLocks noGrp="1"/>
+          </p:cNvSpPr>
+          <p:nvPr>
+            <p:ph type="title"/>
+          </p:nvPr>
+        </p:nvSpPr>
+        <p:spPr/>
+        <p:txBody>
+          <a:bodyPr/>
+          <a:lstStyle/>
+          <a:p>
+            <a:r>
+              <a:rPr lang="en-US" dirty="0"/>
+              <a:t>Object and Collection Initializers</a:t>
+            </a:r>
+          </a:p>
+        </p:txBody>
+      </p:sp>
+      <p:sp>
+        <p:nvSpPr>
+          <p:cNvPr id="3" name="Content Placeholder 2">
+            <a:extLst>
+              <a:ext uri="{FF2B5EF4-FFF2-40B4-BE49-F238E27FC236}">
+                <a16:creationId xmlns:a16="http://schemas.microsoft.com/office/drawing/2014/main" id="{15C3B204-3DD6-7BCB-118E-F566A52101E7}"/>
+              </a:ext>
+            </a:extLst>
+          </p:cNvPr>
+          <p:cNvSpPr>
+            <a:spLocks noGrp="1"/>
+          </p:cNvSpPr>
+          <p:nvPr>
+            <p:ph idx="1"/>
+          </p:nvPr>
+        </p:nvSpPr>
+        <p:spPr/>
+        <p:txBody>
+          <a:bodyPr/>
+          <a:lstStyle/>
+          <a:p>
+            <a:r>
+              <a:rPr lang="en-US" dirty="0"/>
+              <a:t>How can we instantiate objects?</a:t>
+            </a:r>
+          </a:p>
+          <a:p>
+            <a:r>
+              <a:rPr lang="en-US" dirty="0"/>
+              <a:t>What is the best practice</a:t>
+            </a:r>
+          </a:p>
+          <a:p>
+            <a:r>
+              <a:rPr lang="en-US" dirty="0"/>
+              <a:t>The joys of one liners</a:t>
+            </a:r>
+          </a:p>
+          <a:p>
+            <a:r>
+              <a:rPr lang="en-US" dirty="0"/>
+              <a:t>Look at constructor in tests from PR.</a:t>
+            </a:r>
+          </a:p>
+        </p:txBody>
+      </p:sp>
+    </p:spTree>
+    <p:extLst>
+      <p:ext uri="{BB962C8B-B14F-4D97-AF65-F5344CB8AC3E}">
+        <p14:creationId xmlns:p14="http://schemas.microsoft.com/office/powerpoint/2010/main" val="3561289599"/>
+      </p:ext>
+    </p:extLst>
+  </p:cSld>
+  <p:clrMapOvr>
+    <a:masterClrMapping/>
+  </p:clrMapOvr>
+</p:sld>
+</file>
+
+<file path=ppt/slides/slide9.xml><?xml version="1.0" encoding="utf-8"?>
+<p:sld xmlns:a="http://schemas.openxmlformats.org/drawingml/2006/main" xmlns:r="http://schemas.openxmlformats.org/officeDocument/2006/relationships" xmlns:p="http://schemas.openxmlformats.org/presentationml/2006/main">
+  <p:cSld>
+    <p:spTree>
+      <p:nvGrpSpPr>
+        <p:cNvPr id="1" name=""/>
+        <p:cNvGrpSpPr/>
+        <p:nvPr/>
+      </p:nvGrpSpPr>
+      <p:grpSpPr>
+        <a:xfrm>
+          <a:off x="0" y="0"/>
+          <a:ext cx="0" cy="0"/>
+          <a:chOff x="0" y="0"/>
+          <a:chExt cx="0" cy="0"/>
+        </a:xfrm>
+      </p:grpSpPr>
+      <p:sp>
+        <p:nvSpPr>
+          <p:cNvPr id="2" name="Title 1">
+            <a:extLst>
+              <a:ext uri="{FF2B5EF4-FFF2-40B4-BE49-F238E27FC236}">
+                <a16:creationId xmlns:a16="http://schemas.microsoft.com/office/drawing/2014/main" id="{E5AF41AD-9704-555A-C8CC-54D94BA804D8}"/>
+              </a:ext>
+            </a:extLst>
+          </p:cNvPr>
+          <p:cNvSpPr>
+            <a:spLocks noGrp="1"/>
+          </p:cNvSpPr>
+          <p:nvPr>
+            <p:ph type="title"/>
+          </p:nvPr>
+        </p:nvSpPr>
+        <p:spPr/>
+        <p:txBody>
+          <a:bodyPr/>
+          <a:lstStyle/>
+          <a:p>
+            <a:r>
+              <a:rPr lang="en-US" dirty="0"/>
+              <a:t>Anonymous Types</a:t>
+            </a:r>
+          </a:p>
+        </p:txBody>
+      </p:sp>
+      <p:sp>
+        <p:nvSpPr>
+          <p:cNvPr id="3" name="Content Placeholder 2">
+            <a:extLst>
+              <a:ext uri="{FF2B5EF4-FFF2-40B4-BE49-F238E27FC236}">
+                <a16:creationId xmlns:a16="http://schemas.microsoft.com/office/drawing/2014/main" id="{825D9BC4-B057-83B2-0CDC-31356CA250D6}"/>
+              </a:ext>
+            </a:extLst>
+          </p:cNvPr>
+          <p:cNvSpPr>
+            <a:spLocks noGrp="1"/>
+          </p:cNvSpPr>
+          <p:nvPr>
+            <p:ph idx="1"/>
+          </p:nvPr>
+        </p:nvSpPr>
+        <p:spPr/>
+        <p:txBody>
+          <a:bodyPr/>
+          <a:lstStyle/>
+          <a:p>
+            <a:r>
+              <a:rPr lang="en-US" dirty="0"/>
+              <a:t>Declare tuples easily</a:t>
+            </a:r>
+          </a:p>
+          <a:p>
+            <a:r>
+              <a:rPr lang="en-US" dirty="0"/>
+              <a:t>What is a (</a:t>
+            </a:r>
+            <a:r>
+              <a:rPr lang="en-US" dirty="0" err="1"/>
+              <a:t>tu,ple</a:t>
+            </a:r>
+            <a:r>
+              <a:rPr lang="en-US"/>
+              <a:t>)? </a:t>
+            </a:r>
+          </a:p>
+        </p:txBody>
+      </p:sp>
+    </p:spTree>
+    <p:extLst>
+      <p:ext uri="{BB962C8B-B14F-4D97-AF65-F5344CB8AC3E}">
+        <p14:creationId xmlns:p14="http://schemas.microsoft.com/office/powerpoint/2010/main" val="4105393615"/>
       </p:ext>
     </p:extLst>
   </p:cSld>

--- a/CLR_via_CSharp/Chapter 10 - Properties/Properties.pptx
+++ b/CLR_via_CSharp/Chapter 10 - Properties/Properties.pptx
@@ -14,6 +14,8 @@
     <p:sldId id="262" r:id="rId8"/>
     <p:sldId id="263" r:id="rId9"/>
     <p:sldId id="264" r:id="rId10"/>
+    <p:sldId id="265" r:id="rId11"/>
+    <p:sldId id="266" r:id="rId12"/>
   </p:sldIdLst>
   <p:sldSz cx="12192000" cy="6858000"/>
   <p:notesSz cx="6858000" cy="9144000"/>
@@ -112,6 +114,11 @@
       </a:defRPr>
     </a:lvl9pPr>
   </p:defaultTextStyle>
+  <p:extLst>
+    <p:ext uri="{EFAFB233-063F-42B5-8137-9DF3F51BA10A}">
+      <p15:sldGuideLst xmlns:p15="http://schemas.microsoft.com/office/powerpoint/2012/main"/>
+    </p:ext>
+  </p:extLst>
 </p:presentation>
 </file>
 
@@ -3050,6 +3057,284 @@
 </p:sld>
 </file>
 
+<file path=ppt/slides/slide10.xml><?xml version="1.0" encoding="utf-8"?>
+<p:sld xmlns:a="http://schemas.openxmlformats.org/drawingml/2006/main" xmlns:r="http://schemas.openxmlformats.org/officeDocument/2006/relationships" xmlns:p="http://schemas.openxmlformats.org/presentationml/2006/main">
+  <p:cSld>
+    <p:spTree>
+      <p:nvGrpSpPr>
+        <p:cNvPr id="1" name=""/>
+        <p:cNvGrpSpPr/>
+        <p:nvPr/>
+      </p:nvGrpSpPr>
+      <p:grpSpPr>
+        <a:xfrm>
+          <a:off x="0" y="0"/>
+          <a:ext cx="0" cy="0"/>
+          <a:chOff x="0" y="0"/>
+          <a:chExt cx="0" cy="0"/>
+        </a:xfrm>
+      </p:grpSpPr>
+      <p:sp>
+        <p:nvSpPr>
+          <p:cNvPr id="2" name="Title 1">
+            <a:extLst>
+              <a:ext uri="{FF2B5EF4-FFF2-40B4-BE49-F238E27FC236}">
+                <a16:creationId xmlns:a16="http://schemas.microsoft.com/office/drawing/2014/main" id="{628F72CF-0E71-7ABC-330D-E68D0FF713C8}"/>
+              </a:ext>
+            </a:extLst>
+          </p:cNvPr>
+          <p:cNvSpPr>
+            <a:spLocks noGrp="1"/>
+          </p:cNvSpPr>
+          <p:nvPr>
+            <p:ph type="title"/>
+          </p:nvPr>
+        </p:nvSpPr>
+        <p:spPr/>
+        <p:txBody>
+          <a:bodyPr/>
+          <a:lstStyle/>
+          <a:p>
+            <a:r>
+              <a:rPr lang="en-US" dirty="0"/>
+              <a:t>The compiler is sentient</a:t>
+            </a:r>
+          </a:p>
+        </p:txBody>
+      </p:sp>
+      <p:sp>
+        <p:nvSpPr>
+          <p:cNvPr id="3" name="Content Placeholder 2">
+            <a:extLst>
+              <a:ext uri="{FF2B5EF4-FFF2-40B4-BE49-F238E27FC236}">
+                <a16:creationId xmlns:a16="http://schemas.microsoft.com/office/drawing/2014/main" id="{0115AE98-1108-038D-43B9-2AB16A42A3AC}"/>
+              </a:ext>
+            </a:extLst>
+          </p:cNvPr>
+          <p:cNvSpPr>
+            <a:spLocks noGrp="1"/>
+          </p:cNvSpPr>
+          <p:nvPr>
+            <p:ph idx="1"/>
+          </p:nvPr>
+        </p:nvSpPr>
+        <p:spPr/>
+        <p:txBody>
+          <a:bodyPr/>
+          <a:lstStyle/>
+          <a:p>
+            <a:r>
+              <a:rPr lang="en-US" dirty="0"/>
+              <a:t>We have a ‘named parameter’ (named local variable) so the compiler knows the name should be Orwell’</a:t>
+            </a:r>
+          </a:p>
+          <a:p>
+            <a:r>
+              <a:rPr lang="en-US" dirty="0"/>
+              <a:t>The compiler can ‘infer’ types</a:t>
+            </a:r>
+          </a:p>
+          <a:p>
+            <a:pPr lvl="1"/>
+            <a:r>
+              <a:rPr lang="en-US" dirty="0"/>
+              <a:t>Be careful with this (See JavaScript </a:t>
+            </a:r>
+            <a:r>
+              <a:rPr lang="en-US" dirty="0">
+                <a:sym typeface="Wingdings" panose="05000000000000000000" pitchFamily="2" charset="2"/>
+              </a:rPr>
+              <a:t> </a:t>
+            </a:r>
+            <a:r>
+              <a:rPr lang="en-US" dirty="0">
+                <a:sym typeface="Wingdings" panose="05000000000000000000" pitchFamily="2" charset="2"/>
+                <a:hlinkClick r:id="rId2"/>
+              </a:rPr>
+              <a:t>WAT</a:t>
+            </a:r>
+            <a:r>
+              <a:rPr lang="en-US" dirty="0">
+                <a:sym typeface="Wingdings" panose="05000000000000000000" pitchFamily="2" charset="2"/>
+              </a:rPr>
+              <a:t> Arguably my favorite tech talk of all time. I’m not saying C# is </a:t>
+            </a:r>
+            <a:r>
+              <a:rPr lang="en-US" dirty="0" err="1">
+                <a:sym typeface="Wingdings" panose="05000000000000000000" pitchFamily="2" charset="2"/>
+              </a:rPr>
+              <a:t>javascript</a:t>
+            </a:r>
+            <a:r>
+              <a:rPr lang="en-US" dirty="0">
+                <a:sym typeface="Wingdings" panose="05000000000000000000" pitchFamily="2" charset="2"/>
+              </a:rPr>
+              <a:t>, but reading it made me think of it.</a:t>
+            </a:r>
+            <a:endParaRPr lang="en-US" dirty="0"/>
+          </a:p>
+          <a:p>
+            <a:r>
+              <a:rPr lang="en-US" dirty="0"/>
+              <a:t>Not sure how to actually understand this more than just looking at the IL.</a:t>
+            </a:r>
+          </a:p>
+          <a:p>
+            <a:r>
+              <a:rPr lang="en-US" dirty="0"/>
+              <a:t>How do we prove the types are the same?</a:t>
+            </a:r>
+          </a:p>
+          <a:p>
+            <a:endParaRPr lang="en-US" dirty="0"/>
+          </a:p>
+        </p:txBody>
+      </p:sp>
+    </p:spTree>
+    <p:extLst>
+      <p:ext uri="{BB962C8B-B14F-4D97-AF65-F5344CB8AC3E}">
+        <p14:creationId xmlns:p14="http://schemas.microsoft.com/office/powerpoint/2010/main" val="393117509"/>
+      </p:ext>
+    </p:extLst>
+  </p:cSld>
+  <p:clrMapOvr>
+    <a:masterClrMapping/>
+  </p:clrMapOvr>
+</p:sld>
+</file>
+
+<file path=ppt/slides/slide11.xml><?xml version="1.0" encoding="utf-8"?>
+<p:sld xmlns:a="http://schemas.openxmlformats.org/drawingml/2006/main" xmlns:r="http://schemas.openxmlformats.org/officeDocument/2006/relationships" xmlns:p="http://schemas.openxmlformats.org/presentationml/2006/main">
+  <p:cSld>
+    <p:spTree>
+      <p:nvGrpSpPr>
+        <p:cNvPr id="1" name=""/>
+        <p:cNvGrpSpPr/>
+        <p:nvPr/>
+      </p:nvGrpSpPr>
+      <p:grpSpPr>
+        <a:xfrm>
+          <a:off x="0" y="0"/>
+          <a:ext cx="0" cy="0"/>
+          <a:chOff x="0" y="0"/>
+          <a:chExt cx="0" cy="0"/>
+        </a:xfrm>
+      </p:grpSpPr>
+      <p:sp>
+        <p:nvSpPr>
+          <p:cNvPr id="2" name="Title 1">
+            <a:extLst>
+              <a:ext uri="{FF2B5EF4-FFF2-40B4-BE49-F238E27FC236}">
+                <a16:creationId xmlns:a16="http://schemas.microsoft.com/office/drawing/2014/main" id="{440EEF52-C72D-504E-F729-4473D2EBA581}"/>
+              </a:ext>
+            </a:extLst>
+          </p:cNvPr>
+          <p:cNvSpPr>
+            <a:spLocks noGrp="1"/>
+          </p:cNvSpPr>
+          <p:nvPr>
+            <p:ph type="title"/>
+          </p:nvPr>
+        </p:nvSpPr>
+        <p:spPr/>
+        <p:txBody>
+          <a:bodyPr/>
+          <a:lstStyle/>
+          <a:p>
+            <a:r>
+              <a:rPr lang="en-US" dirty="0" err="1"/>
+              <a:t>Parameterful</a:t>
+            </a:r>
+            <a:r>
+              <a:rPr lang="en-US" dirty="0"/>
+              <a:t> Properties (indexers)</a:t>
+            </a:r>
+          </a:p>
+        </p:txBody>
+      </p:sp>
+      <p:sp>
+        <p:nvSpPr>
+          <p:cNvPr id="3" name="Content Placeholder 2">
+            <a:extLst>
+              <a:ext uri="{FF2B5EF4-FFF2-40B4-BE49-F238E27FC236}">
+                <a16:creationId xmlns:a16="http://schemas.microsoft.com/office/drawing/2014/main" id="{17B9971B-9AEE-5962-18F3-FAB313F2F6EC}"/>
+              </a:ext>
+            </a:extLst>
+          </p:cNvPr>
+          <p:cNvSpPr>
+            <a:spLocks noGrp="1"/>
+          </p:cNvSpPr>
+          <p:nvPr>
+            <p:ph idx="1"/>
+          </p:nvPr>
+        </p:nvSpPr>
+        <p:spPr/>
+        <p:txBody>
+          <a:bodyPr/>
+          <a:lstStyle/>
+          <a:p>
+            <a:r>
+              <a:rPr lang="en-US" dirty="0"/>
+              <a:t>First reaction was ‘Jeffrey said parameters don’t take properties… what sorcery is this</a:t>
+            </a:r>
+          </a:p>
+          <a:p>
+            <a:r>
+              <a:rPr lang="en-US" dirty="0"/>
+              <a:t>Honestly, I don’t feel like I understand this enough but here goes</a:t>
+            </a:r>
+          </a:p>
+          <a:p>
+            <a:pPr marL="0" indent="0">
+              <a:buNone/>
+            </a:pPr>
+            <a:endParaRPr lang="en-US" dirty="0"/>
+          </a:p>
+        </p:txBody>
+      </p:sp>
+      <p:pic>
+        <p:nvPicPr>
+          <p:cNvPr id="6" name="Picture 5">
+            <a:extLst>
+              <a:ext uri="{FF2B5EF4-FFF2-40B4-BE49-F238E27FC236}">
+                <a16:creationId xmlns:a16="http://schemas.microsoft.com/office/drawing/2014/main" id="{C40DD9D8-C2CB-DAC3-D2AE-C694491FA9F4}"/>
+              </a:ext>
+            </a:extLst>
+          </p:cNvPr>
+          <p:cNvPicPr>
+            <a:picLocks noChangeAspect="1"/>
+          </p:cNvPicPr>
+          <p:nvPr/>
+        </p:nvPicPr>
+        <p:blipFill>
+          <a:blip r:embed="rId2"/>
+          <a:stretch>
+            <a:fillRect/>
+          </a:stretch>
+        </p:blipFill>
+        <p:spPr>
+          <a:xfrm>
+            <a:off x="3074894" y="3358512"/>
+            <a:ext cx="5948082" cy="2953388"/>
+          </a:xfrm>
+          <a:prstGeom prst="rect">
+            <a:avLst/>
+          </a:prstGeom>
+        </p:spPr>
+      </p:pic>
+    </p:spTree>
+    <p:extLst>
+      <p:ext uri="{BB962C8B-B14F-4D97-AF65-F5344CB8AC3E}">
+        <p14:creationId xmlns:p14="http://schemas.microsoft.com/office/powerpoint/2010/main" val="2009557994"/>
+      </p:ext>
+    </p:extLst>
+  </p:cSld>
+  <p:clrMapOvr>
+    <a:masterClrMapping/>
+  </p:clrMapOvr>
+</p:sld>
+</file>
+
 <file path=ppt/slides/slide2.xml><?xml version="1.0" encoding="utf-8"?>
 <p:sld xmlns:a="http://schemas.openxmlformats.org/drawingml/2006/main" xmlns:r="http://schemas.openxmlformats.org/officeDocument/2006/relationships" xmlns:p="http://schemas.openxmlformats.org/presentationml/2006/main">
   <p:cSld>
@@ -3990,12 +4275,6 @@
           <a:p>
             <a:r>
               <a:rPr lang="en-US" dirty="0"/>
-              <a:t>Declare tuples easily</a:t>
-            </a:r>
-          </a:p>
-          <a:p>
-            <a:r>
-              <a:rPr lang="en-US" dirty="0"/>
               <a:t>What is a (</a:t>
             </a:r>
             <a:r>
@@ -4003,8 +4282,33 @@
               <a:t>tu,ple</a:t>
             </a:r>
             <a:r>
-              <a:rPr lang="en-US"/>
+              <a:rPr lang="en-US" dirty="0"/>
               <a:t>)? </a:t>
+            </a:r>
+          </a:p>
+          <a:p>
+            <a:r>
+              <a:rPr lang="en-US" dirty="0"/>
+              <a:t>var o1 = new {Name = "Orwell", Year = 1984};</a:t>
+            </a:r>
+          </a:p>
+          <a:p>
+            <a:r>
+              <a:rPr lang="en-US" dirty="0"/>
+              <a:t>Really similar to what other languages? </a:t>
+            </a:r>
+          </a:p>
+          <a:p>
+            <a:r>
+              <a:rPr lang="en-US" dirty="0"/>
+              <a:t>What does this look like in IL?</a:t>
+            </a:r>
+          </a:p>
+          <a:p>
+            <a:pPr lvl="1"/>
+            <a:r>
+              <a:rPr lang="en-US" dirty="0"/>
+              <a:t>Does this get resolved to a Type or is this the exception where we do some non type safe magic?</a:t>
             </a:r>
           </a:p>
         </p:txBody>

--- a/CLR_via_CSharp/Chapter 10 - Properties/Properties.pptx
+++ b/CLR_via_CSharp/Chapter 10 - Properties/Properties.pptx
@@ -16,6 +16,7 @@
     <p:sldId id="264" r:id="rId10"/>
     <p:sldId id="265" r:id="rId11"/>
     <p:sldId id="266" r:id="rId12"/>
+    <p:sldId id="267" r:id="rId13"/>
   </p:sldIdLst>
   <p:sldSz cx="12192000" cy="6858000"/>
   <p:notesSz cx="6858000" cy="9144000"/>
@@ -253,7 +254,7 @@
           <a:p>
             <a:fld id="{09D8E82A-F45F-4C7F-89E6-419FFBE908AD}" type="datetimeFigureOut">
               <a:rPr lang="en-US" smtClean="0"/>
-              <a:t>9/15/2022</a:t>
+              <a:t>9/16/2022</a:t>
             </a:fld>
             <a:endParaRPr lang="en-US"/>
           </a:p>
@@ -423,7 +424,7 @@
           <a:p>
             <a:fld id="{09D8E82A-F45F-4C7F-89E6-419FFBE908AD}" type="datetimeFigureOut">
               <a:rPr lang="en-US" smtClean="0"/>
-              <a:t>9/15/2022</a:t>
+              <a:t>9/16/2022</a:t>
             </a:fld>
             <a:endParaRPr lang="en-US"/>
           </a:p>
@@ -603,7 +604,7 @@
           <a:p>
             <a:fld id="{09D8E82A-F45F-4C7F-89E6-419FFBE908AD}" type="datetimeFigureOut">
               <a:rPr lang="en-US" smtClean="0"/>
-              <a:t>9/15/2022</a:t>
+              <a:t>9/16/2022</a:t>
             </a:fld>
             <a:endParaRPr lang="en-US"/>
           </a:p>
@@ -773,7 +774,7 @@
           <a:p>
             <a:fld id="{09D8E82A-F45F-4C7F-89E6-419FFBE908AD}" type="datetimeFigureOut">
               <a:rPr lang="en-US" smtClean="0"/>
-              <a:t>9/15/2022</a:t>
+              <a:t>9/16/2022</a:t>
             </a:fld>
             <a:endParaRPr lang="en-US"/>
           </a:p>
@@ -1019,7 +1020,7 @@
           <a:p>
             <a:fld id="{09D8E82A-F45F-4C7F-89E6-419FFBE908AD}" type="datetimeFigureOut">
               <a:rPr lang="en-US" smtClean="0"/>
-              <a:t>9/15/2022</a:t>
+              <a:t>9/16/2022</a:t>
             </a:fld>
             <a:endParaRPr lang="en-US"/>
           </a:p>
@@ -1251,7 +1252,7 @@
           <a:p>
             <a:fld id="{09D8E82A-F45F-4C7F-89E6-419FFBE908AD}" type="datetimeFigureOut">
               <a:rPr lang="en-US" smtClean="0"/>
-              <a:t>9/15/2022</a:t>
+              <a:t>9/16/2022</a:t>
             </a:fld>
             <a:endParaRPr lang="en-US"/>
           </a:p>
@@ -1618,7 +1619,7 @@
           <a:p>
             <a:fld id="{09D8E82A-F45F-4C7F-89E6-419FFBE908AD}" type="datetimeFigureOut">
               <a:rPr lang="en-US" smtClean="0"/>
-              <a:t>9/15/2022</a:t>
+              <a:t>9/16/2022</a:t>
             </a:fld>
             <a:endParaRPr lang="en-US"/>
           </a:p>
@@ -1736,7 +1737,7 @@
           <a:p>
             <a:fld id="{09D8E82A-F45F-4C7F-89E6-419FFBE908AD}" type="datetimeFigureOut">
               <a:rPr lang="en-US" smtClean="0"/>
-              <a:t>9/15/2022</a:t>
+              <a:t>9/16/2022</a:t>
             </a:fld>
             <a:endParaRPr lang="en-US"/>
           </a:p>
@@ -1831,7 +1832,7 @@
           <a:p>
             <a:fld id="{09D8E82A-F45F-4C7F-89E6-419FFBE908AD}" type="datetimeFigureOut">
               <a:rPr lang="en-US" smtClean="0"/>
-              <a:t>9/15/2022</a:t>
+              <a:t>9/16/2022</a:t>
             </a:fld>
             <a:endParaRPr lang="en-US"/>
           </a:p>
@@ -2108,7 +2109,7 @@
           <a:p>
             <a:fld id="{09D8E82A-F45F-4C7F-89E6-419FFBE908AD}" type="datetimeFigureOut">
               <a:rPr lang="en-US" smtClean="0"/>
-              <a:t>9/15/2022</a:t>
+              <a:t>9/16/2022</a:t>
             </a:fld>
             <a:endParaRPr lang="en-US"/>
           </a:p>
@@ -2365,7 +2366,7 @@
           <a:p>
             <a:fld id="{09D8E82A-F45F-4C7F-89E6-419FFBE908AD}" type="datetimeFigureOut">
               <a:rPr lang="en-US" smtClean="0"/>
-              <a:t>9/15/2022</a:t>
+              <a:t>9/16/2022</a:t>
             </a:fld>
             <a:endParaRPr lang="en-US"/>
           </a:p>
@@ -2578,7 +2579,7 @@
           <a:p>
             <a:fld id="{09D8E82A-F45F-4C7F-89E6-419FFBE908AD}" type="datetimeFigureOut">
               <a:rPr lang="en-US" smtClean="0"/>
-              <a:t>9/15/2022</a:t>
+              <a:t>9/16/2022</a:t>
             </a:fld>
             <a:endParaRPr lang="en-US"/>
           </a:p>
@@ -3335,6 +3336,93 @@
 </p:sld>
 </file>
 
+<file path=ppt/slides/slide12.xml><?xml version="1.0" encoding="utf-8"?>
+<p:sld xmlns:a="http://schemas.openxmlformats.org/drawingml/2006/main" xmlns:r="http://schemas.openxmlformats.org/officeDocument/2006/relationships" xmlns:p="http://schemas.openxmlformats.org/presentationml/2006/main">
+  <p:cSld>
+    <p:spTree>
+      <p:nvGrpSpPr>
+        <p:cNvPr id="1" name=""/>
+        <p:cNvGrpSpPr/>
+        <p:nvPr/>
+      </p:nvGrpSpPr>
+      <p:grpSpPr>
+        <a:xfrm>
+          <a:off x="0" y="0"/>
+          <a:ext cx="0" cy="0"/>
+          <a:chOff x="0" y="0"/>
+          <a:chExt cx="0" cy="0"/>
+        </a:xfrm>
+      </p:grpSpPr>
+      <p:sp>
+        <p:nvSpPr>
+          <p:cNvPr id="2" name="Title 1">
+            <a:extLst>
+              <a:ext uri="{FF2B5EF4-FFF2-40B4-BE49-F238E27FC236}">
+                <a16:creationId xmlns:a16="http://schemas.microsoft.com/office/drawing/2014/main" id="{D04CA64F-421F-A3A6-7E2C-EFE3B25DAEB1}"/>
+              </a:ext>
+            </a:extLst>
+          </p:cNvPr>
+          <p:cNvSpPr>
+            <a:spLocks noGrp="1"/>
+          </p:cNvSpPr>
+          <p:nvPr>
+            <p:ph type="title"/>
+          </p:nvPr>
+        </p:nvSpPr>
+        <p:spPr/>
+        <p:txBody>
+          <a:bodyPr/>
+          <a:lstStyle/>
+          <a:p>
+            <a:r>
+              <a:rPr lang="en-US" dirty="0"/>
+              <a:t>Bit Array 2</a:t>
+            </a:r>
+          </a:p>
+        </p:txBody>
+      </p:sp>
+      <p:pic>
+        <p:nvPicPr>
+          <p:cNvPr id="5" name="Content Placeholder 4">
+            <a:extLst>
+              <a:ext uri="{FF2B5EF4-FFF2-40B4-BE49-F238E27FC236}">
+                <a16:creationId xmlns:a16="http://schemas.microsoft.com/office/drawing/2014/main" id="{7A2465B2-5EAA-D430-F6ED-30B71D51757A}"/>
+              </a:ext>
+            </a:extLst>
+          </p:cNvPr>
+          <p:cNvPicPr>
+            <a:picLocks noGrp="1" noChangeAspect="1"/>
+          </p:cNvPicPr>
+          <p:nvPr>
+            <p:ph idx="1"/>
+          </p:nvPr>
+        </p:nvPicPr>
+        <p:blipFill>
+          <a:blip r:embed="rId2"/>
+          <a:stretch>
+            <a:fillRect/>
+          </a:stretch>
+        </p:blipFill>
+        <p:spPr>
+          <a:xfrm>
+            <a:off x="3495312" y="2877187"/>
+            <a:ext cx="5201376" cy="2248214"/>
+          </a:xfrm>
+        </p:spPr>
+      </p:pic>
+    </p:spTree>
+    <p:extLst>
+      <p:ext uri="{BB962C8B-B14F-4D97-AF65-F5344CB8AC3E}">
+        <p14:creationId xmlns:p14="http://schemas.microsoft.com/office/powerpoint/2010/main" val="3213736111"/>
+      </p:ext>
+    </p:extLst>
+  </p:cSld>
+  <p:clrMapOvr>
+    <a:masterClrMapping/>
+  </p:clrMapOvr>
+</p:sld>
+</file>
+
 <file path=ppt/slides/slide2.xml><?xml version="1.0" encoding="utf-8"?>
 <p:sld xmlns:a="http://schemas.openxmlformats.org/drawingml/2006/main" xmlns:r="http://schemas.openxmlformats.org/officeDocument/2006/relationships" xmlns:p="http://schemas.openxmlformats.org/presentationml/2006/main">
   <p:cSld>

--- a/CLR_via_CSharp/Chapter 10 - Properties/Properties.pptx
+++ b/CLR_via_CSharp/Chapter 10 - Properties/Properties.pptx
@@ -3381,35 +3381,37 @@
           </a:p>
         </p:txBody>
       </p:sp>
-      <p:pic>
-        <p:nvPicPr>
-          <p:cNvPr id="5" name="Content Placeholder 4">
+      <p:sp>
+        <p:nvSpPr>
+          <p:cNvPr id="7" name="Content Placeholder 6">
             <a:extLst>
               <a:ext uri="{FF2B5EF4-FFF2-40B4-BE49-F238E27FC236}">
-                <a16:creationId xmlns:a16="http://schemas.microsoft.com/office/drawing/2014/main" id="{7A2465B2-5EAA-D430-F6ED-30B71D51757A}"/>
+                <a16:creationId xmlns:a16="http://schemas.microsoft.com/office/drawing/2014/main" id="{A9418BB5-7729-744F-89A5-18B281AFA751}"/>
               </a:ext>
             </a:extLst>
           </p:cNvPr>
-          <p:cNvPicPr>
-            <a:picLocks noGrp="1" noChangeAspect="1"/>
-          </p:cNvPicPr>
+          <p:cNvSpPr>
+            <a:spLocks noGrp="1"/>
+          </p:cNvSpPr>
           <p:nvPr>
             <p:ph idx="1"/>
           </p:nvPr>
-        </p:nvPicPr>
-        <p:blipFill>
-          <a:blip r:embed="rId2"/>
-          <a:stretch>
-            <a:fillRect/>
-          </a:stretch>
-        </p:blipFill>
-        <p:spPr>
-          <a:xfrm>
-            <a:off x="3495312" y="2877187"/>
-            <a:ext cx="5201376" cy="2248214"/>
-          </a:xfrm>
-        </p:spPr>
-      </p:pic>
+        </p:nvSpPr>
+        <p:spPr/>
+        <p:txBody>
+          <a:bodyPr/>
+          <a:lstStyle/>
+          <a:p>
+            <a:pPr marL="0" indent="0">
+              <a:buNone/>
+            </a:pPr>
+            <a:r>
+              <a:rPr lang="en-US"/>
+              <a:t>Time to have ‘fun’</a:t>
+            </a:r>
+          </a:p>
+        </p:txBody>
+      </p:sp>
     </p:spTree>
     <p:extLst>
       <p:ext uri="{BB962C8B-B14F-4D97-AF65-F5344CB8AC3E}">

--- a/CLR_via_CSharp/Chapter 10 - Properties/Properties.pptx
+++ b/CLR_via_CSharp/Chapter 10 - Properties/Properties.pptx
@@ -15,8 +15,9 @@
     <p:sldId id="263" r:id="rId9"/>
     <p:sldId id="264" r:id="rId10"/>
     <p:sldId id="265" r:id="rId11"/>
-    <p:sldId id="266" r:id="rId12"/>
-    <p:sldId id="267" r:id="rId13"/>
+    <p:sldId id="268" r:id="rId12"/>
+    <p:sldId id="266" r:id="rId13"/>
+    <p:sldId id="267" r:id="rId14"/>
   </p:sldIdLst>
   <p:sldSz cx="12192000" cy="6858000"/>
   <p:notesSz cx="6858000" cy="9144000"/>
@@ -254,7 +255,7 @@
           <a:p>
             <a:fld id="{09D8E82A-F45F-4C7F-89E6-419FFBE908AD}" type="datetimeFigureOut">
               <a:rPr lang="en-US" smtClean="0"/>
-              <a:t>9/16/2022</a:t>
+              <a:t>9/22/2022</a:t>
             </a:fld>
             <a:endParaRPr lang="en-US"/>
           </a:p>
@@ -424,7 +425,7 @@
           <a:p>
             <a:fld id="{09D8E82A-F45F-4C7F-89E6-419FFBE908AD}" type="datetimeFigureOut">
               <a:rPr lang="en-US" smtClean="0"/>
-              <a:t>9/16/2022</a:t>
+              <a:t>9/22/2022</a:t>
             </a:fld>
             <a:endParaRPr lang="en-US"/>
           </a:p>
@@ -604,7 +605,7 @@
           <a:p>
             <a:fld id="{09D8E82A-F45F-4C7F-89E6-419FFBE908AD}" type="datetimeFigureOut">
               <a:rPr lang="en-US" smtClean="0"/>
-              <a:t>9/16/2022</a:t>
+              <a:t>9/22/2022</a:t>
             </a:fld>
             <a:endParaRPr lang="en-US"/>
           </a:p>
@@ -774,7 +775,7 @@
           <a:p>
             <a:fld id="{09D8E82A-F45F-4C7F-89E6-419FFBE908AD}" type="datetimeFigureOut">
               <a:rPr lang="en-US" smtClean="0"/>
-              <a:t>9/16/2022</a:t>
+              <a:t>9/22/2022</a:t>
             </a:fld>
             <a:endParaRPr lang="en-US"/>
           </a:p>
@@ -1020,7 +1021,7 @@
           <a:p>
             <a:fld id="{09D8E82A-F45F-4C7F-89E6-419FFBE908AD}" type="datetimeFigureOut">
               <a:rPr lang="en-US" smtClean="0"/>
-              <a:t>9/16/2022</a:t>
+              <a:t>9/22/2022</a:t>
             </a:fld>
             <a:endParaRPr lang="en-US"/>
           </a:p>
@@ -1252,7 +1253,7 @@
           <a:p>
             <a:fld id="{09D8E82A-F45F-4C7F-89E6-419FFBE908AD}" type="datetimeFigureOut">
               <a:rPr lang="en-US" smtClean="0"/>
-              <a:t>9/16/2022</a:t>
+              <a:t>9/22/2022</a:t>
             </a:fld>
             <a:endParaRPr lang="en-US"/>
           </a:p>
@@ -1619,7 +1620,7 @@
           <a:p>
             <a:fld id="{09D8E82A-F45F-4C7F-89E6-419FFBE908AD}" type="datetimeFigureOut">
               <a:rPr lang="en-US" smtClean="0"/>
-              <a:t>9/16/2022</a:t>
+              <a:t>9/22/2022</a:t>
             </a:fld>
             <a:endParaRPr lang="en-US"/>
           </a:p>
@@ -1737,7 +1738,7 @@
           <a:p>
             <a:fld id="{09D8E82A-F45F-4C7F-89E6-419FFBE908AD}" type="datetimeFigureOut">
               <a:rPr lang="en-US" smtClean="0"/>
-              <a:t>9/16/2022</a:t>
+              <a:t>9/22/2022</a:t>
             </a:fld>
             <a:endParaRPr lang="en-US"/>
           </a:p>
@@ -1832,7 +1833,7 @@
           <a:p>
             <a:fld id="{09D8E82A-F45F-4C7F-89E6-419FFBE908AD}" type="datetimeFigureOut">
               <a:rPr lang="en-US" smtClean="0"/>
-              <a:t>9/16/2022</a:t>
+              <a:t>9/22/2022</a:t>
             </a:fld>
             <a:endParaRPr lang="en-US"/>
           </a:p>
@@ -2109,7 +2110,7 @@
           <a:p>
             <a:fld id="{09D8E82A-F45F-4C7F-89E6-419FFBE908AD}" type="datetimeFigureOut">
               <a:rPr lang="en-US" smtClean="0"/>
-              <a:t>9/16/2022</a:t>
+              <a:t>9/22/2022</a:t>
             </a:fld>
             <a:endParaRPr lang="en-US"/>
           </a:p>
@@ -2366,7 +2367,7 @@
           <a:p>
             <a:fld id="{09D8E82A-F45F-4C7F-89E6-419FFBE908AD}" type="datetimeFigureOut">
               <a:rPr lang="en-US" smtClean="0"/>
-              <a:t>9/16/2022</a:t>
+              <a:t>9/22/2022</a:t>
             </a:fld>
             <a:endParaRPr lang="en-US"/>
           </a:p>
@@ -2579,7 +2580,7 @@
           <a:p>
             <a:fld id="{09D8E82A-F45F-4C7F-89E6-419FFBE908AD}" type="datetimeFigureOut">
               <a:rPr lang="en-US" smtClean="0"/>
-              <a:t>9/16/2022</a:t>
+              <a:t>9/22/2022</a:t>
             </a:fld>
             <a:endParaRPr lang="en-US"/>
           </a:p>
@@ -3226,6 +3227,116 @@
           <p:cNvPr id="2" name="Title 1">
             <a:extLst>
               <a:ext uri="{FF2B5EF4-FFF2-40B4-BE49-F238E27FC236}">
+                <a16:creationId xmlns:a16="http://schemas.microsoft.com/office/drawing/2014/main" id="{5A5A5A9C-F0D9-D63C-18C5-3139CC38B7A6}"/>
+              </a:ext>
+            </a:extLst>
+          </p:cNvPr>
+          <p:cNvSpPr>
+            <a:spLocks noGrp="1"/>
+          </p:cNvSpPr>
+          <p:nvPr>
+            <p:ph type="title"/>
+          </p:nvPr>
+        </p:nvSpPr>
+        <p:spPr/>
+        <p:txBody>
+          <a:bodyPr/>
+          <a:lstStyle/>
+          <a:p>
+            <a:endParaRPr lang="en-US"/>
+          </a:p>
+        </p:txBody>
+      </p:sp>
+      <p:sp>
+        <p:nvSpPr>
+          <p:cNvPr id="3" name="Content Placeholder 2">
+            <a:extLst>
+              <a:ext uri="{FF2B5EF4-FFF2-40B4-BE49-F238E27FC236}">
+                <a16:creationId xmlns:a16="http://schemas.microsoft.com/office/drawing/2014/main" id="{BBA8FFD2-1B85-31BC-BEB5-C1F29DE1DEB7}"/>
+              </a:ext>
+            </a:extLst>
+          </p:cNvPr>
+          <p:cNvSpPr>
+            <a:spLocks noGrp="1"/>
+          </p:cNvSpPr>
+          <p:nvPr>
+            <p:ph idx="1"/>
+          </p:nvPr>
+        </p:nvSpPr>
+        <p:spPr/>
+        <p:txBody>
+          <a:bodyPr/>
+          <a:lstStyle/>
+          <a:p>
+            <a:endParaRPr lang="en-US"/>
+          </a:p>
+        </p:txBody>
+      </p:sp>
+      <p:pic>
+        <p:nvPicPr>
+          <p:cNvPr id="5" name="Picture 4">
+            <a:extLst>
+              <a:ext uri="{FF2B5EF4-FFF2-40B4-BE49-F238E27FC236}">
+                <a16:creationId xmlns:a16="http://schemas.microsoft.com/office/drawing/2014/main" id="{631A0C27-5453-BCEF-DCA3-36238CC37547}"/>
+              </a:ext>
+            </a:extLst>
+          </p:cNvPr>
+          <p:cNvPicPr>
+            <a:picLocks noChangeAspect="1"/>
+          </p:cNvPicPr>
+          <p:nvPr/>
+        </p:nvPicPr>
+        <p:blipFill>
+          <a:blip r:embed="rId2"/>
+          <a:stretch>
+            <a:fillRect/>
+          </a:stretch>
+        </p:blipFill>
+        <p:spPr>
+          <a:xfrm>
+            <a:off x="199202" y="1590418"/>
+            <a:ext cx="11793596" cy="3677163"/>
+          </a:xfrm>
+          <a:prstGeom prst="rect">
+            <a:avLst/>
+          </a:prstGeom>
+        </p:spPr>
+      </p:pic>
+    </p:spTree>
+    <p:extLst>
+      <p:ext uri="{BB962C8B-B14F-4D97-AF65-F5344CB8AC3E}">
+        <p14:creationId xmlns:p14="http://schemas.microsoft.com/office/powerpoint/2010/main" val="4108300667"/>
+      </p:ext>
+    </p:extLst>
+  </p:cSld>
+  <p:clrMapOvr>
+    <a:masterClrMapping/>
+  </p:clrMapOvr>
+</p:sld>
+</file>
+
+<file path=ppt/slides/slide12.xml><?xml version="1.0" encoding="utf-8"?>
+<p:sld xmlns:a="http://schemas.openxmlformats.org/drawingml/2006/main" xmlns:r="http://schemas.openxmlformats.org/officeDocument/2006/relationships" xmlns:p="http://schemas.openxmlformats.org/presentationml/2006/main">
+  <p:cSld>
+    <p:spTree>
+      <p:nvGrpSpPr>
+        <p:cNvPr id="1" name=""/>
+        <p:cNvGrpSpPr/>
+        <p:nvPr/>
+      </p:nvGrpSpPr>
+      <p:grpSpPr>
+        <a:xfrm>
+          <a:off x="0" y="0"/>
+          <a:ext cx="0" cy="0"/>
+          <a:chOff x="0" y="0"/>
+          <a:chExt cx="0" cy="0"/>
+        </a:xfrm>
+      </p:grpSpPr>
+      <p:sp>
+        <p:nvSpPr>
+          <p:cNvPr id="2" name="Title 1">
+            <a:extLst>
+              <a:ext uri="{FF2B5EF4-FFF2-40B4-BE49-F238E27FC236}">
                 <a16:creationId xmlns:a16="http://schemas.microsoft.com/office/drawing/2014/main" id="{440EEF52-C72D-504E-F729-4473D2EBA581}"/>
               </a:ext>
             </a:extLst>
@@ -3336,7 +3447,7 @@
 </p:sld>
 </file>
 
-<file path=ppt/slides/slide12.xml><?xml version="1.0" encoding="utf-8"?>
+<file path=ppt/slides/slide13.xml><?xml version="1.0" encoding="utf-8"?>
 <p:sld xmlns:a="http://schemas.openxmlformats.org/drawingml/2006/main" xmlns:r="http://schemas.openxmlformats.org/officeDocument/2006/relationships" xmlns:p="http://schemas.openxmlformats.org/presentationml/2006/main">
   <p:cSld>
     <p:spTree>
@@ -3406,7 +3517,7 @@
               <a:buNone/>
             </a:pPr>
             <a:r>
-              <a:rPr lang="en-US"/>
+              <a:rPr lang="en-US" dirty="0"/>
               <a:t>Time to have ‘fun’</a:t>
             </a:r>
           </a:p>
@@ -3496,8 +3607,67 @@
               <a:t>None of note</a:t>
             </a:r>
           </a:p>
-        </p:txBody>
-      </p:sp>
+          <a:p>
+            <a:endParaRPr lang="en-US" dirty="0"/>
+          </a:p>
+          <a:p>
+            <a:pPr marL="0" indent="0">
+              <a:buNone/>
+            </a:pPr>
+            <a:r>
+              <a:rPr lang="en-US" dirty="0"/>
+              <a:t>-- </a:t>
+            </a:r>
+            <a:r>
+              <a:rPr lang="en-US" dirty="0" err="1"/>
+              <a:t>init</a:t>
+            </a:r>
+            <a:r>
+              <a:rPr lang="en-US" dirty="0"/>
+              <a:t> properties</a:t>
+            </a:r>
+          </a:p>
+          <a:p>
+            <a:pPr marL="0" indent="0">
+              <a:buNone/>
+            </a:pPr>
+            <a:r>
+              <a:rPr lang="en-US" dirty="0"/>
+              <a:t>-- what level do anonymous types get disambiguated at</a:t>
+            </a:r>
+          </a:p>
+        </p:txBody>
+      </p:sp>
+      <p:pic>
+        <p:nvPicPr>
+          <p:cNvPr id="5" name="Picture 4">
+            <a:extLst>
+              <a:ext uri="{FF2B5EF4-FFF2-40B4-BE49-F238E27FC236}">
+                <a16:creationId xmlns:a16="http://schemas.microsoft.com/office/drawing/2014/main" id="{D8135878-6A28-86BC-0F82-163F419FA744}"/>
+              </a:ext>
+            </a:extLst>
+          </p:cNvPr>
+          <p:cNvPicPr>
+            <a:picLocks noChangeAspect="1"/>
+          </p:cNvPicPr>
+          <p:nvPr/>
+        </p:nvPicPr>
+        <p:blipFill>
+          <a:blip r:embed="rId2"/>
+          <a:stretch>
+            <a:fillRect/>
+          </a:stretch>
+        </p:blipFill>
+        <p:spPr>
+          <a:xfrm>
+            <a:off x="27830" y="3946507"/>
+            <a:ext cx="12192000" cy="2702098"/>
+          </a:xfrm>
+          <a:prstGeom prst="rect">
+            <a:avLst/>
+          </a:prstGeom>
+        </p:spPr>
+      </p:pic>
     </p:spTree>
     <p:extLst>
       <p:ext uri="{BB962C8B-B14F-4D97-AF65-F5344CB8AC3E}">
